--- a/Abbaspour/CodeTodo.pptx
+++ b/Abbaspour/CodeTodo.pptx
@@ -104,6 +104,11 @@
       </a:defRPr>
     </a:lvl9pPr>
   </p:defaultTextStyle>
+  <p:extLst>
+    <p:ext uri="{EFAFB233-063F-42B5-8137-9DF3F51BA10A}">
+      <p15:sldGuideLst xmlns:p15="http://schemas.microsoft.com/office/powerpoint/2012/main"/>
+    </p:ext>
+  </p:extLst>
 </p:presentation>
 </file>
 
@@ -238,7 +243,7 @@
           <a:p>
             <a:fld id="{D6E7CE26-7B26-4829-8ED6-15EC512A912A}" type="datetimeFigureOut">
               <a:rPr lang="en-US" smtClean="0"/>
-              <a:t>12/14/2023</a:t>
+              <a:t>12/22/2023</a:t>
             </a:fld>
             <a:endParaRPr lang="en-US"/>
           </a:p>
@@ -408,7 +413,7 @@
           <a:p>
             <a:fld id="{D6E7CE26-7B26-4829-8ED6-15EC512A912A}" type="datetimeFigureOut">
               <a:rPr lang="en-US" smtClean="0"/>
-              <a:t>12/14/2023</a:t>
+              <a:t>12/22/2023</a:t>
             </a:fld>
             <a:endParaRPr lang="en-US"/>
           </a:p>
@@ -588,7 +593,7 @@
           <a:p>
             <a:fld id="{D6E7CE26-7B26-4829-8ED6-15EC512A912A}" type="datetimeFigureOut">
               <a:rPr lang="en-US" smtClean="0"/>
-              <a:t>12/14/2023</a:t>
+              <a:t>12/22/2023</a:t>
             </a:fld>
             <a:endParaRPr lang="en-US"/>
           </a:p>
@@ -758,7 +763,7 @@
           <a:p>
             <a:fld id="{D6E7CE26-7B26-4829-8ED6-15EC512A912A}" type="datetimeFigureOut">
               <a:rPr lang="en-US" smtClean="0"/>
-              <a:t>12/14/2023</a:t>
+              <a:t>12/22/2023</a:t>
             </a:fld>
             <a:endParaRPr lang="en-US"/>
           </a:p>
@@ -1004,7 +1009,7 @@
           <a:p>
             <a:fld id="{D6E7CE26-7B26-4829-8ED6-15EC512A912A}" type="datetimeFigureOut">
               <a:rPr lang="en-US" smtClean="0"/>
-              <a:t>12/14/2023</a:t>
+              <a:t>12/22/2023</a:t>
             </a:fld>
             <a:endParaRPr lang="en-US"/>
           </a:p>
@@ -1236,7 +1241,7 @@
           <a:p>
             <a:fld id="{D6E7CE26-7B26-4829-8ED6-15EC512A912A}" type="datetimeFigureOut">
               <a:rPr lang="en-US" smtClean="0"/>
-              <a:t>12/14/2023</a:t>
+              <a:t>12/22/2023</a:t>
             </a:fld>
             <a:endParaRPr lang="en-US"/>
           </a:p>
@@ -1603,7 +1608,7 @@
           <a:p>
             <a:fld id="{D6E7CE26-7B26-4829-8ED6-15EC512A912A}" type="datetimeFigureOut">
               <a:rPr lang="en-US" smtClean="0"/>
-              <a:t>12/14/2023</a:t>
+              <a:t>12/22/2023</a:t>
             </a:fld>
             <a:endParaRPr lang="en-US"/>
           </a:p>
@@ -1721,7 +1726,7 @@
           <a:p>
             <a:fld id="{D6E7CE26-7B26-4829-8ED6-15EC512A912A}" type="datetimeFigureOut">
               <a:rPr lang="en-US" smtClean="0"/>
-              <a:t>12/14/2023</a:t>
+              <a:t>12/22/2023</a:t>
             </a:fld>
             <a:endParaRPr lang="en-US"/>
           </a:p>
@@ -1816,7 +1821,7 @@
           <a:p>
             <a:fld id="{D6E7CE26-7B26-4829-8ED6-15EC512A912A}" type="datetimeFigureOut">
               <a:rPr lang="en-US" smtClean="0"/>
-              <a:t>12/14/2023</a:t>
+              <a:t>12/22/2023</a:t>
             </a:fld>
             <a:endParaRPr lang="en-US"/>
           </a:p>
@@ -2093,7 +2098,7 @@
           <a:p>
             <a:fld id="{D6E7CE26-7B26-4829-8ED6-15EC512A912A}" type="datetimeFigureOut">
               <a:rPr lang="en-US" smtClean="0"/>
-              <a:t>12/14/2023</a:t>
+              <a:t>12/22/2023</a:t>
             </a:fld>
             <a:endParaRPr lang="en-US"/>
           </a:p>
@@ -2346,7 +2351,7 @@
           <a:p>
             <a:fld id="{D6E7CE26-7B26-4829-8ED6-15EC512A912A}" type="datetimeFigureOut">
               <a:rPr lang="en-US" smtClean="0"/>
-              <a:t>12/14/2023</a:t>
+              <a:t>12/22/2023</a:t>
             </a:fld>
             <a:endParaRPr lang="en-US"/>
           </a:p>
@@ -2559,7 +2564,7 @@
           <a:p>
             <a:fld id="{D6E7CE26-7B26-4829-8ED6-15EC512A912A}" type="datetimeFigureOut">
               <a:rPr lang="en-US" smtClean="0"/>
-              <a:t>12/14/2023</a:t>
+              <a:t>12/22/2023</a:t>
             </a:fld>
             <a:endParaRPr lang="en-US"/>
           </a:p>
@@ -2996,8 +3001,53 @@
         </p:nvSpPr>
         <p:spPr>
           <a:xfrm>
-            <a:off x="4905634" y="253428"/>
-            <a:ext cx="1989221" cy="1468692"/>
+            <a:off x="4905634" y="0"/>
+            <a:ext cx="1989221" cy="1722120"/>
+          </a:xfrm>
+          <a:prstGeom prst="rect">
+            <a:avLst/>
+          </a:prstGeom>
+          <a:solidFill>
+            <a:schemeClr val="accent6">
+              <a:alpha val="50000"/>
+            </a:schemeClr>
+          </a:solidFill>
+        </p:spPr>
+        <p:style>
+          <a:lnRef idx="2">
+            <a:schemeClr val="accent6">
+              <a:shade val="50000"/>
+            </a:schemeClr>
+          </a:lnRef>
+          <a:fillRef idx="1">
+            <a:schemeClr val="accent6"/>
+          </a:fillRef>
+          <a:effectRef idx="0">
+            <a:schemeClr val="accent6"/>
+          </a:effectRef>
+          <a:fontRef idx="minor">
+            <a:schemeClr val="lt1"/>
+          </a:fontRef>
+        </p:style>
+        <p:txBody>
+          <a:bodyPr rtlCol="0" anchor="ctr"/>
+          <a:lstStyle/>
+          <a:p>
+            <a:pPr algn="ctr"/>
+            <a:endParaRPr lang="en-US"/>
+          </a:p>
+        </p:txBody>
+      </p:sp>
+      <p:sp>
+        <p:nvSpPr>
+          <p:cNvPr id="6" name="Rectangle 5"/>
+          <p:cNvSpPr/>
+          <p:nvPr/>
+        </p:nvSpPr>
+        <p:spPr>
+          <a:xfrm>
+            <a:off x="7310032" y="380037"/>
+            <a:ext cx="4393620" cy="1468692"/>
           </a:xfrm>
           <a:prstGeom prst="rect">
             <a:avLst/>
@@ -3019,6 +3069,100 @@
           </a:fillRef>
           <a:effectRef idx="0">
             <a:schemeClr val="accent1"/>
+          </a:effectRef>
+          <a:fontRef idx="minor">
+            <a:schemeClr val="lt1"/>
+          </a:fontRef>
+        </p:style>
+        <p:txBody>
+          <a:bodyPr rtlCol="0" anchor="ctr"/>
+          <a:lstStyle/>
+          <a:p>
+            <a:pPr algn="ctr"/>
+            <a:r>
+              <a:rPr lang="de-DE" dirty="0" err="1" smtClean="0"/>
+              <a:t>Process</a:t>
+            </a:r>
+            <a:endParaRPr lang="en-US" dirty="0"/>
+          </a:p>
+        </p:txBody>
+      </p:sp>
+      <p:sp>
+        <p:nvSpPr>
+          <p:cNvPr id="7" name="Rectangle 6"/>
+          <p:cNvSpPr/>
+          <p:nvPr/>
+        </p:nvSpPr>
+        <p:spPr>
+          <a:xfrm>
+            <a:off x="65689" y="0"/>
+            <a:ext cx="4839945" cy="1094602"/>
+          </a:xfrm>
+          <a:prstGeom prst="rect">
+            <a:avLst/>
+          </a:prstGeom>
+          <a:solidFill>
+            <a:schemeClr val="accent6">
+              <a:alpha val="50000"/>
+            </a:schemeClr>
+          </a:solidFill>
+        </p:spPr>
+        <p:style>
+          <a:lnRef idx="2">
+            <a:schemeClr val="accent6">
+              <a:shade val="50000"/>
+            </a:schemeClr>
+          </a:lnRef>
+          <a:fillRef idx="1">
+            <a:schemeClr val="accent6"/>
+          </a:fillRef>
+          <a:effectRef idx="0">
+            <a:schemeClr val="accent6"/>
+          </a:effectRef>
+          <a:fontRef idx="minor">
+            <a:schemeClr val="lt1"/>
+          </a:fontRef>
+        </p:style>
+        <p:txBody>
+          <a:bodyPr rtlCol="0" anchor="ctr"/>
+          <a:lstStyle/>
+          <a:p>
+            <a:pPr algn="ctr"/>
+            <a:endParaRPr lang="en-US"/>
+          </a:p>
+        </p:txBody>
+      </p:sp>
+      <p:sp>
+        <p:nvSpPr>
+          <p:cNvPr id="8" name="Rectangle 7"/>
+          <p:cNvSpPr/>
+          <p:nvPr/>
+        </p:nvSpPr>
+        <p:spPr>
+          <a:xfrm>
+            <a:off x="5435023" y="2535516"/>
+            <a:ext cx="6420093" cy="737073"/>
+          </a:xfrm>
+          <a:prstGeom prst="rect">
+            <a:avLst/>
+          </a:prstGeom>
+          <a:solidFill>
+            <a:schemeClr val="accent6">
+              <a:alpha val="50000"/>
+            </a:schemeClr>
+          </a:solidFill>
+        </p:spPr>
+        <p:style>
+          <a:lnRef idx="2">
+            <a:schemeClr val="accent6">
+              <a:shade val="50000"/>
+            </a:schemeClr>
+          </a:lnRef>
+          <a:fillRef idx="1">
+            <a:schemeClr val="accent6"/>
+          </a:fillRef>
+          <a:effectRef idx="0">
+            <a:schemeClr val="accent6"/>
           </a:effectRef>
           <a:fontRef idx="minor">
             <a:schemeClr val="lt1"/>

--- a/Abbaspour/CodeTodo.pptx
+++ b/Abbaspour/CodeTodo.pptx
@@ -154,10 +154,9 @@
           </a:lstStyle>
           <a:p>
             <a:r>
-              <a:rPr lang="en-US" smtClean="0"/>
+              <a:rPr lang="en-US"/>
               <a:t>Click to edit Master title style</a:t>
             </a:r>
-            <a:endParaRPr lang="en-US"/>
           </a:p>
         </p:txBody>
       </p:sp>
@@ -219,10 +218,9 @@
           </a:lstStyle>
           <a:p>
             <a:r>
-              <a:rPr lang="en-US" smtClean="0"/>
+              <a:rPr lang="en-US"/>
               <a:t>Click to edit Master subtitle style</a:t>
             </a:r>
-            <a:endParaRPr lang="en-US"/>
           </a:p>
         </p:txBody>
       </p:sp>
@@ -243,7 +241,7 @@
           <a:p>
             <a:fld id="{D6E7CE26-7B26-4829-8ED6-15EC512A912A}" type="datetimeFigureOut">
               <a:rPr lang="en-US" smtClean="0"/>
-              <a:t>12/22/2023</a:t>
+              <a:t>1/11/2024</a:t>
             </a:fld>
             <a:endParaRPr lang="en-US"/>
           </a:p>
@@ -285,7 +283,7 @@
           <a:p>
             <a:fld id="{87F34453-351E-48B2-B697-BECC1AAADE2A}" type="slidenum">
               <a:rPr lang="en-US" smtClean="0"/>
-              <a:t>‹#›</a:t>
+              <a:t>‹Nr.›</a:t>
             </a:fld>
             <a:endParaRPr lang="en-US"/>
           </a:p>
@@ -337,10 +335,9 @@
           <a:lstStyle/>
           <a:p>
             <a:r>
-              <a:rPr lang="en-US" smtClean="0"/>
+              <a:rPr lang="en-US"/>
               <a:t>Click to edit Master title style</a:t>
             </a:r>
-            <a:endParaRPr lang="en-US"/>
           </a:p>
         </p:txBody>
       </p:sp>
@@ -361,38 +358,37 @@
           <a:p>
             <a:pPr lvl="0"/>
             <a:r>
-              <a:rPr lang="en-US" smtClean="0"/>
+              <a:rPr lang="en-US"/>
               <a:t>Edit Master text styles</a:t>
             </a:r>
           </a:p>
           <a:p>
             <a:pPr lvl="1"/>
             <a:r>
-              <a:rPr lang="en-US" smtClean="0"/>
+              <a:rPr lang="en-US"/>
               <a:t>Second level</a:t>
             </a:r>
           </a:p>
           <a:p>
             <a:pPr lvl="2"/>
             <a:r>
-              <a:rPr lang="en-US" smtClean="0"/>
+              <a:rPr lang="en-US"/>
               <a:t>Third level</a:t>
             </a:r>
           </a:p>
           <a:p>
             <a:pPr lvl="3"/>
             <a:r>
-              <a:rPr lang="en-US" smtClean="0"/>
+              <a:rPr lang="en-US"/>
               <a:t>Fourth level</a:t>
             </a:r>
           </a:p>
           <a:p>
             <a:pPr lvl="4"/>
             <a:r>
-              <a:rPr lang="en-US" smtClean="0"/>
+              <a:rPr lang="en-US"/>
               <a:t>Fifth level</a:t>
             </a:r>
-            <a:endParaRPr lang="en-US"/>
           </a:p>
         </p:txBody>
       </p:sp>
@@ -413,7 +409,7 @@
           <a:p>
             <a:fld id="{D6E7CE26-7B26-4829-8ED6-15EC512A912A}" type="datetimeFigureOut">
               <a:rPr lang="en-US" smtClean="0"/>
-              <a:t>12/22/2023</a:t>
+              <a:t>1/11/2024</a:t>
             </a:fld>
             <a:endParaRPr lang="en-US"/>
           </a:p>
@@ -455,7 +451,7 @@
           <a:p>
             <a:fld id="{87F34453-351E-48B2-B697-BECC1AAADE2A}" type="slidenum">
               <a:rPr lang="en-US" smtClean="0"/>
-              <a:t>‹#›</a:t>
+              <a:t>‹Nr.›</a:t>
             </a:fld>
             <a:endParaRPr lang="en-US"/>
           </a:p>
@@ -512,10 +508,9 @@
           <a:lstStyle/>
           <a:p>
             <a:r>
-              <a:rPr lang="en-US" smtClean="0"/>
+              <a:rPr lang="en-US"/>
               <a:t>Click to edit Master title style</a:t>
             </a:r>
-            <a:endParaRPr lang="en-US"/>
           </a:p>
         </p:txBody>
       </p:sp>
@@ -541,38 +536,37 @@
           <a:p>
             <a:pPr lvl="0"/>
             <a:r>
-              <a:rPr lang="en-US" smtClean="0"/>
+              <a:rPr lang="en-US"/>
               <a:t>Edit Master text styles</a:t>
             </a:r>
           </a:p>
           <a:p>
             <a:pPr lvl="1"/>
             <a:r>
-              <a:rPr lang="en-US" smtClean="0"/>
+              <a:rPr lang="en-US"/>
               <a:t>Second level</a:t>
             </a:r>
           </a:p>
           <a:p>
             <a:pPr lvl="2"/>
             <a:r>
-              <a:rPr lang="en-US" smtClean="0"/>
+              <a:rPr lang="en-US"/>
               <a:t>Third level</a:t>
             </a:r>
           </a:p>
           <a:p>
             <a:pPr lvl="3"/>
             <a:r>
-              <a:rPr lang="en-US" smtClean="0"/>
+              <a:rPr lang="en-US"/>
               <a:t>Fourth level</a:t>
             </a:r>
           </a:p>
           <a:p>
             <a:pPr lvl="4"/>
             <a:r>
-              <a:rPr lang="en-US" smtClean="0"/>
+              <a:rPr lang="en-US"/>
               <a:t>Fifth level</a:t>
             </a:r>
-            <a:endParaRPr lang="en-US"/>
           </a:p>
         </p:txBody>
       </p:sp>
@@ -593,7 +587,7 @@
           <a:p>
             <a:fld id="{D6E7CE26-7B26-4829-8ED6-15EC512A912A}" type="datetimeFigureOut">
               <a:rPr lang="en-US" smtClean="0"/>
-              <a:t>12/22/2023</a:t>
+              <a:t>1/11/2024</a:t>
             </a:fld>
             <a:endParaRPr lang="en-US"/>
           </a:p>
@@ -635,7 +629,7 @@
           <a:p>
             <a:fld id="{87F34453-351E-48B2-B697-BECC1AAADE2A}" type="slidenum">
               <a:rPr lang="en-US" smtClean="0"/>
-              <a:t>‹#›</a:t>
+              <a:t>‹Nr.›</a:t>
             </a:fld>
             <a:endParaRPr lang="en-US"/>
           </a:p>
@@ -687,10 +681,9 @@
           <a:lstStyle/>
           <a:p>
             <a:r>
-              <a:rPr lang="en-US" smtClean="0"/>
+              <a:rPr lang="en-US"/>
               <a:t>Click to edit Master title style</a:t>
             </a:r>
-            <a:endParaRPr lang="en-US"/>
           </a:p>
         </p:txBody>
       </p:sp>
@@ -711,38 +704,37 @@
           <a:p>
             <a:pPr lvl="0"/>
             <a:r>
-              <a:rPr lang="en-US" smtClean="0"/>
+              <a:rPr lang="en-US"/>
               <a:t>Edit Master text styles</a:t>
             </a:r>
           </a:p>
           <a:p>
             <a:pPr lvl="1"/>
             <a:r>
-              <a:rPr lang="en-US" smtClean="0"/>
+              <a:rPr lang="en-US"/>
               <a:t>Second level</a:t>
             </a:r>
           </a:p>
           <a:p>
             <a:pPr lvl="2"/>
             <a:r>
-              <a:rPr lang="en-US" smtClean="0"/>
+              <a:rPr lang="en-US"/>
               <a:t>Third level</a:t>
             </a:r>
           </a:p>
           <a:p>
             <a:pPr lvl="3"/>
             <a:r>
-              <a:rPr lang="en-US" smtClean="0"/>
+              <a:rPr lang="en-US"/>
               <a:t>Fourth level</a:t>
             </a:r>
           </a:p>
           <a:p>
             <a:pPr lvl="4"/>
             <a:r>
-              <a:rPr lang="en-US" smtClean="0"/>
+              <a:rPr lang="en-US"/>
               <a:t>Fifth level</a:t>
             </a:r>
-            <a:endParaRPr lang="en-US"/>
           </a:p>
         </p:txBody>
       </p:sp>
@@ -763,7 +755,7 @@
           <a:p>
             <a:fld id="{D6E7CE26-7B26-4829-8ED6-15EC512A912A}" type="datetimeFigureOut">
               <a:rPr lang="en-US" smtClean="0"/>
-              <a:t>12/22/2023</a:t>
+              <a:t>1/11/2024</a:t>
             </a:fld>
             <a:endParaRPr lang="en-US"/>
           </a:p>
@@ -805,7 +797,7 @@
           <a:p>
             <a:fld id="{87F34453-351E-48B2-B697-BECC1AAADE2A}" type="slidenum">
               <a:rPr lang="en-US" smtClean="0"/>
-              <a:t>‹#›</a:t>
+              <a:t>‹Nr.›</a:t>
             </a:fld>
             <a:endParaRPr lang="en-US"/>
           </a:p>
@@ -866,10 +858,9 @@
           </a:lstStyle>
           <a:p>
             <a:r>
-              <a:rPr lang="en-US" smtClean="0"/>
+              <a:rPr lang="en-US"/>
               <a:t>Click to edit Master title style</a:t>
             </a:r>
-            <a:endParaRPr lang="en-US"/>
           </a:p>
         </p:txBody>
       </p:sp>
@@ -986,7 +977,7 @@
           <a:p>
             <a:pPr lvl="0"/>
             <a:r>
-              <a:rPr lang="en-US" smtClean="0"/>
+              <a:rPr lang="en-US"/>
               <a:t>Edit Master text styles</a:t>
             </a:r>
           </a:p>
@@ -1009,7 +1000,7 @@
           <a:p>
             <a:fld id="{D6E7CE26-7B26-4829-8ED6-15EC512A912A}" type="datetimeFigureOut">
               <a:rPr lang="en-US" smtClean="0"/>
-              <a:t>12/22/2023</a:t>
+              <a:t>1/11/2024</a:t>
             </a:fld>
             <a:endParaRPr lang="en-US"/>
           </a:p>
@@ -1051,7 +1042,7 @@
           <a:p>
             <a:fld id="{87F34453-351E-48B2-B697-BECC1AAADE2A}" type="slidenum">
               <a:rPr lang="en-US" smtClean="0"/>
-              <a:t>‹#›</a:t>
+              <a:t>‹Nr.›</a:t>
             </a:fld>
             <a:endParaRPr lang="en-US"/>
           </a:p>
@@ -1103,10 +1094,9 @@
           <a:lstStyle/>
           <a:p>
             <a:r>
-              <a:rPr lang="en-US" smtClean="0"/>
+              <a:rPr lang="en-US"/>
               <a:t>Click to edit Master title style</a:t>
             </a:r>
-            <a:endParaRPr lang="en-US"/>
           </a:p>
         </p:txBody>
       </p:sp>
@@ -1132,38 +1122,37 @@
           <a:p>
             <a:pPr lvl="0"/>
             <a:r>
-              <a:rPr lang="en-US" smtClean="0"/>
+              <a:rPr lang="en-US"/>
               <a:t>Edit Master text styles</a:t>
             </a:r>
           </a:p>
           <a:p>
             <a:pPr lvl="1"/>
             <a:r>
-              <a:rPr lang="en-US" smtClean="0"/>
+              <a:rPr lang="en-US"/>
               <a:t>Second level</a:t>
             </a:r>
           </a:p>
           <a:p>
             <a:pPr lvl="2"/>
             <a:r>
-              <a:rPr lang="en-US" smtClean="0"/>
+              <a:rPr lang="en-US"/>
               <a:t>Third level</a:t>
             </a:r>
           </a:p>
           <a:p>
             <a:pPr lvl="3"/>
             <a:r>
-              <a:rPr lang="en-US" smtClean="0"/>
+              <a:rPr lang="en-US"/>
               <a:t>Fourth level</a:t>
             </a:r>
           </a:p>
           <a:p>
             <a:pPr lvl="4"/>
             <a:r>
-              <a:rPr lang="en-US" smtClean="0"/>
+              <a:rPr lang="en-US"/>
               <a:t>Fifth level</a:t>
             </a:r>
-            <a:endParaRPr lang="en-US"/>
           </a:p>
         </p:txBody>
       </p:sp>
@@ -1189,38 +1178,37 @@
           <a:p>
             <a:pPr lvl="0"/>
             <a:r>
-              <a:rPr lang="en-US" smtClean="0"/>
+              <a:rPr lang="en-US"/>
               <a:t>Edit Master text styles</a:t>
             </a:r>
           </a:p>
           <a:p>
             <a:pPr lvl="1"/>
             <a:r>
-              <a:rPr lang="en-US" smtClean="0"/>
+              <a:rPr lang="en-US"/>
               <a:t>Second level</a:t>
             </a:r>
           </a:p>
           <a:p>
             <a:pPr lvl="2"/>
             <a:r>
-              <a:rPr lang="en-US" smtClean="0"/>
+              <a:rPr lang="en-US"/>
               <a:t>Third level</a:t>
             </a:r>
           </a:p>
           <a:p>
             <a:pPr lvl="3"/>
             <a:r>
-              <a:rPr lang="en-US" smtClean="0"/>
+              <a:rPr lang="en-US"/>
               <a:t>Fourth level</a:t>
             </a:r>
           </a:p>
           <a:p>
             <a:pPr lvl="4"/>
             <a:r>
-              <a:rPr lang="en-US" smtClean="0"/>
+              <a:rPr lang="en-US"/>
               <a:t>Fifth level</a:t>
             </a:r>
-            <a:endParaRPr lang="en-US"/>
           </a:p>
         </p:txBody>
       </p:sp>
@@ -1241,7 +1229,7 @@
           <a:p>
             <a:fld id="{D6E7CE26-7B26-4829-8ED6-15EC512A912A}" type="datetimeFigureOut">
               <a:rPr lang="en-US" smtClean="0"/>
-              <a:t>12/22/2023</a:t>
+              <a:t>1/11/2024</a:t>
             </a:fld>
             <a:endParaRPr lang="en-US"/>
           </a:p>
@@ -1283,7 +1271,7 @@
           <a:p>
             <a:fld id="{87F34453-351E-48B2-B697-BECC1AAADE2A}" type="slidenum">
               <a:rPr lang="en-US" smtClean="0"/>
-              <a:t>‹#›</a:t>
+              <a:t>‹Nr.›</a:t>
             </a:fld>
             <a:endParaRPr lang="en-US"/>
           </a:p>
@@ -1340,10 +1328,9 @@
           <a:lstStyle/>
           <a:p>
             <a:r>
-              <a:rPr lang="en-US" smtClean="0"/>
+              <a:rPr lang="en-US"/>
               <a:t>Click to edit Master title style</a:t>
             </a:r>
-            <a:endParaRPr lang="en-US"/>
           </a:p>
         </p:txBody>
       </p:sp>
@@ -1406,7 +1393,7 @@
           <a:p>
             <a:pPr lvl="0"/>
             <a:r>
-              <a:rPr lang="en-US" smtClean="0"/>
+              <a:rPr lang="en-US"/>
               <a:t>Edit Master text styles</a:t>
             </a:r>
           </a:p>
@@ -1434,38 +1421,37 @@
           <a:p>
             <a:pPr lvl="0"/>
             <a:r>
-              <a:rPr lang="en-US" smtClean="0"/>
+              <a:rPr lang="en-US"/>
               <a:t>Edit Master text styles</a:t>
             </a:r>
           </a:p>
           <a:p>
             <a:pPr lvl="1"/>
             <a:r>
-              <a:rPr lang="en-US" smtClean="0"/>
+              <a:rPr lang="en-US"/>
               <a:t>Second level</a:t>
             </a:r>
           </a:p>
           <a:p>
             <a:pPr lvl="2"/>
             <a:r>
-              <a:rPr lang="en-US" smtClean="0"/>
+              <a:rPr lang="en-US"/>
               <a:t>Third level</a:t>
             </a:r>
           </a:p>
           <a:p>
             <a:pPr lvl="3"/>
             <a:r>
-              <a:rPr lang="en-US" smtClean="0"/>
+              <a:rPr lang="en-US"/>
               <a:t>Fourth level</a:t>
             </a:r>
           </a:p>
           <a:p>
             <a:pPr lvl="4"/>
             <a:r>
-              <a:rPr lang="en-US" smtClean="0"/>
+              <a:rPr lang="en-US"/>
               <a:t>Fifth level</a:t>
             </a:r>
-            <a:endParaRPr lang="en-US"/>
           </a:p>
         </p:txBody>
       </p:sp>
@@ -1528,7 +1514,7 @@
           <a:p>
             <a:pPr lvl="0"/>
             <a:r>
-              <a:rPr lang="en-US" smtClean="0"/>
+              <a:rPr lang="en-US"/>
               <a:t>Edit Master text styles</a:t>
             </a:r>
           </a:p>
@@ -1556,38 +1542,37 @@
           <a:p>
             <a:pPr lvl="0"/>
             <a:r>
-              <a:rPr lang="en-US" smtClean="0"/>
+              <a:rPr lang="en-US"/>
               <a:t>Edit Master text styles</a:t>
             </a:r>
           </a:p>
           <a:p>
             <a:pPr lvl="1"/>
             <a:r>
-              <a:rPr lang="en-US" smtClean="0"/>
+              <a:rPr lang="en-US"/>
               <a:t>Second level</a:t>
             </a:r>
           </a:p>
           <a:p>
             <a:pPr lvl="2"/>
             <a:r>
-              <a:rPr lang="en-US" smtClean="0"/>
+              <a:rPr lang="en-US"/>
               <a:t>Third level</a:t>
             </a:r>
           </a:p>
           <a:p>
             <a:pPr lvl="3"/>
             <a:r>
-              <a:rPr lang="en-US" smtClean="0"/>
+              <a:rPr lang="en-US"/>
               <a:t>Fourth level</a:t>
             </a:r>
           </a:p>
           <a:p>
             <a:pPr lvl="4"/>
             <a:r>
-              <a:rPr lang="en-US" smtClean="0"/>
+              <a:rPr lang="en-US"/>
               <a:t>Fifth level</a:t>
             </a:r>
-            <a:endParaRPr lang="en-US"/>
           </a:p>
         </p:txBody>
       </p:sp>
@@ -1608,7 +1593,7 @@
           <a:p>
             <a:fld id="{D6E7CE26-7B26-4829-8ED6-15EC512A912A}" type="datetimeFigureOut">
               <a:rPr lang="en-US" smtClean="0"/>
-              <a:t>12/22/2023</a:t>
+              <a:t>1/11/2024</a:t>
             </a:fld>
             <a:endParaRPr lang="en-US"/>
           </a:p>
@@ -1650,7 +1635,7 @@
           <a:p>
             <a:fld id="{87F34453-351E-48B2-B697-BECC1AAADE2A}" type="slidenum">
               <a:rPr lang="en-US" smtClean="0"/>
-              <a:t>‹#›</a:t>
+              <a:t>‹Nr.›</a:t>
             </a:fld>
             <a:endParaRPr lang="en-US"/>
           </a:p>
@@ -1702,10 +1687,9 @@
           <a:lstStyle/>
           <a:p>
             <a:r>
-              <a:rPr lang="en-US" smtClean="0"/>
+              <a:rPr lang="en-US"/>
               <a:t>Click to edit Master title style</a:t>
             </a:r>
-            <a:endParaRPr lang="en-US"/>
           </a:p>
         </p:txBody>
       </p:sp>
@@ -1726,7 +1710,7 @@
           <a:p>
             <a:fld id="{D6E7CE26-7B26-4829-8ED6-15EC512A912A}" type="datetimeFigureOut">
               <a:rPr lang="en-US" smtClean="0"/>
-              <a:t>12/22/2023</a:t>
+              <a:t>1/11/2024</a:t>
             </a:fld>
             <a:endParaRPr lang="en-US"/>
           </a:p>
@@ -1768,7 +1752,7 @@
           <a:p>
             <a:fld id="{87F34453-351E-48B2-B697-BECC1AAADE2A}" type="slidenum">
               <a:rPr lang="en-US" smtClean="0"/>
-              <a:t>‹#›</a:t>
+              <a:t>‹Nr.›</a:t>
             </a:fld>
             <a:endParaRPr lang="en-US"/>
           </a:p>
@@ -1821,7 +1805,7 @@
           <a:p>
             <a:fld id="{D6E7CE26-7B26-4829-8ED6-15EC512A912A}" type="datetimeFigureOut">
               <a:rPr lang="en-US" smtClean="0"/>
-              <a:t>12/22/2023</a:t>
+              <a:t>1/11/2024</a:t>
             </a:fld>
             <a:endParaRPr lang="en-US"/>
           </a:p>
@@ -1863,7 +1847,7 @@
           <a:p>
             <a:fld id="{87F34453-351E-48B2-B697-BECC1AAADE2A}" type="slidenum">
               <a:rPr lang="en-US" smtClean="0"/>
-              <a:t>‹#›</a:t>
+              <a:t>‹Nr.›</a:t>
             </a:fld>
             <a:endParaRPr lang="en-US"/>
           </a:p>
@@ -1924,10 +1908,9 @@
           </a:lstStyle>
           <a:p>
             <a:r>
-              <a:rPr lang="en-US" smtClean="0"/>
+              <a:rPr lang="en-US"/>
               <a:t>Click to edit Master title style</a:t>
             </a:r>
-            <a:endParaRPr lang="en-US"/>
           </a:p>
         </p:txBody>
       </p:sp>
@@ -1981,38 +1964,37 @@
           <a:p>
             <a:pPr lvl="0"/>
             <a:r>
-              <a:rPr lang="en-US" smtClean="0"/>
+              <a:rPr lang="en-US"/>
               <a:t>Edit Master text styles</a:t>
             </a:r>
           </a:p>
           <a:p>
             <a:pPr lvl="1"/>
             <a:r>
-              <a:rPr lang="en-US" smtClean="0"/>
+              <a:rPr lang="en-US"/>
               <a:t>Second level</a:t>
             </a:r>
           </a:p>
           <a:p>
             <a:pPr lvl="2"/>
             <a:r>
-              <a:rPr lang="en-US" smtClean="0"/>
+              <a:rPr lang="en-US"/>
               <a:t>Third level</a:t>
             </a:r>
           </a:p>
           <a:p>
             <a:pPr lvl="3"/>
             <a:r>
-              <a:rPr lang="en-US" smtClean="0"/>
+              <a:rPr lang="en-US"/>
               <a:t>Fourth level</a:t>
             </a:r>
           </a:p>
           <a:p>
             <a:pPr lvl="4"/>
             <a:r>
-              <a:rPr lang="en-US" smtClean="0"/>
+              <a:rPr lang="en-US"/>
               <a:t>Fifth level</a:t>
             </a:r>
-            <a:endParaRPr lang="en-US"/>
           </a:p>
         </p:txBody>
       </p:sp>
@@ -2075,7 +2057,7 @@
           <a:p>
             <a:pPr lvl="0"/>
             <a:r>
-              <a:rPr lang="en-US" smtClean="0"/>
+              <a:rPr lang="en-US"/>
               <a:t>Edit Master text styles</a:t>
             </a:r>
           </a:p>
@@ -2098,7 +2080,7 @@
           <a:p>
             <a:fld id="{D6E7CE26-7B26-4829-8ED6-15EC512A912A}" type="datetimeFigureOut">
               <a:rPr lang="en-US" smtClean="0"/>
-              <a:t>12/22/2023</a:t>
+              <a:t>1/11/2024</a:t>
             </a:fld>
             <a:endParaRPr lang="en-US"/>
           </a:p>
@@ -2140,7 +2122,7 @@
           <a:p>
             <a:fld id="{87F34453-351E-48B2-B697-BECC1AAADE2A}" type="slidenum">
               <a:rPr lang="en-US" smtClean="0"/>
-              <a:t>‹#›</a:t>
+              <a:t>‹Nr.›</a:t>
             </a:fld>
             <a:endParaRPr lang="en-US"/>
           </a:p>
@@ -2201,10 +2183,9 @@
           </a:lstStyle>
           <a:p>
             <a:r>
-              <a:rPr lang="en-US" smtClean="0"/>
+              <a:rPr lang="en-US"/>
               <a:t>Click to edit Master title style</a:t>
             </a:r>
-            <a:endParaRPr lang="en-US"/>
           </a:p>
         </p:txBody>
       </p:sp>
@@ -2328,7 +2309,7 @@
           <a:p>
             <a:pPr lvl="0"/>
             <a:r>
-              <a:rPr lang="en-US" smtClean="0"/>
+              <a:rPr lang="en-US"/>
               <a:t>Edit Master text styles</a:t>
             </a:r>
           </a:p>
@@ -2351,7 +2332,7 @@
           <a:p>
             <a:fld id="{D6E7CE26-7B26-4829-8ED6-15EC512A912A}" type="datetimeFigureOut">
               <a:rPr lang="en-US" smtClean="0"/>
-              <a:t>12/22/2023</a:t>
+              <a:t>1/11/2024</a:t>
             </a:fld>
             <a:endParaRPr lang="en-US"/>
           </a:p>
@@ -2393,7 +2374,7 @@
           <a:p>
             <a:fld id="{87F34453-351E-48B2-B697-BECC1AAADE2A}" type="slidenum">
               <a:rPr lang="en-US" smtClean="0"/>
-              <a:t>‹#›</a:t>
+              <a:t>‹Nr.›</a:t>
             </a:fld>
             <a:endParaRPr lang="en-US"/>
           </a:p>
@@ -2460,10 +2441,9 @@
           <a:lstStyle/>
           <a:p>
             <a:r>
-              <a:rPr lang="en-US" smtClean="0"/>
+              <a:rPr lang="en-US"/>
               <a:t>Click to edit Master title style</a:t>
             </a:r>
-            <a:endParaRPr lang="en-US"/>
           </a:p>
         </p:txBody>
       </p:sp>
@@ -2494,38 +2474,37 @@
           <a:p>
             <a:pPr lvl="0"/>
             <a:r>
-              <a:rPr lang="en-US" smtClean="0"/>
+              <a:rPr lang="en-US"/>
               <a:t>Edit Master text styles</a:t>
             </a:r>
           </a:p>
           <a:p>
             <a:pPr lvl="1"/>
             <a:r>
-              <a:rPr lang="en-US" smtClean="0"/>
+              <a:rPr lang="en-US"/>
               <a:t>Second level</a:t>
             </a:r>
           </a:p>
           <a:p>
             <a:pPr lvl="2"/>
             <a:r>
-              <a:rPr lang="en-US" smtClean="0"/>
+              <a:rPr lang="en-US"/>
               <a:t>Third level</a:t>
             </a:r>
           </a:p>
           <a:p>
             <a:pPr lvl="3"/>
             <a:r>
-              <a:rPr lang="en-US" smtClean="0"/>
+              <a:rPr lang="en-US"/>
               <a:t>Fourth level</a:t>
             </a:r>
           </a:p>
           <a:p>
             <a:pPr lvl="4"/>
             <a:r>
-              <a:rPr lang="en-US" smtClean="0"/>
+              <a:rPr lang="en-US"/>
               <a:t>Fifth level</a:t>
             </a:r>
-            <a:endParaRPr lang="en-US"/>
           </a:p>
         </p:txBody>
       </p:sp>
@@ -2564,7 +2543,7 @@
           <a:p>
             <a:fld id="{D6E7CE26-7B26-4829-8ED6-15EC512A912A}" type="datetimeFigureOut">
               <a:rPr lang="en-US" smtClean="0"/>
-              <a:t>12/22/2023</a:t>
+              <a:t>1/11/2024</a:t>
             </a:fld>
             <a:endParaRPr lang="en-US"/>
           </a:p>
@@ -2642,7 +2621,7 @@
           <a:p>
             <a:fld id="{87F34453-351E-48B2-B697-BECC1AAADE2A}" type="slidenum">
               <a:rPr lang="en-US" smtClean="0"/>
-              <a:t>‹#›</a:t>
+              <a:t>‹Nr.›</a:t>
             </a:fld>
             <a:endParaRPr lang="en-US"/>
           </a:p>
@@ -3080,7 +3059,7 @@
           <a:p>
             <a:pPr algn="ctr"/>
             <a:r>
-              <a:rPr lang="de-DE" dirty="0" err="1" smtClean="0"/>
+              <a:rPr lang="de-DE" dirty="0" err="1"/>
               <a:t>Process</a:t>
             </a:r>
             <a:endParaRPr lang="en-US" dirty="0"/>
@@ -3177,6 +3156,57 @@
           </a:p>
         </p:txBody>
       </p:sp>
+      <p:sp>
+        <p:nvSpPr>
+          <p:cNvPr id="2" name="Rectangle 7">
+            <a:extLst>
+              <a:ext uri="{FF2B5EF4-FFF2-40B4-BE49-F238E27FC236}">
+                <a16:creationId xmlns:a16="http://schemas.microsoft.com/office/drawing/2014/main" id="{8E77AD15-FFDA-1238-7593-8B044B23A849}"/>
+              </a:ext>
+            </a:extLst>
+          </p:cNvPr>
+          <p:cNvSpPr/>
+          <p:nvPr/>
+        </p:nvSpPr>
+        <p:spPr>
+          <a:xfrm>
+            <a:off x="65689" y="1348030"/>
+            <a:ext cx="4621722" cy="1031186"/>
+          </a:xfrm>
+          <a:prstGeom prst="rect">
+            <a:avLst/>
+          </a:prstGeom>
+          <a:solidFill>
+            <a:schemeClr val="accent6">
+              <a:alpha val="50000"/>
+            </a:schemeClr>
+          </a:solidFill>
+        </p:spPr>
+        <p:style>
+          <a:lnRef idx="2">
+            <a:schemeClr val="accent6">
+              <a:shade val="50000"/>
+            </a:schemeClr>
+          </a:lnRef>
+          <a:fillRef idx="1">
+            <a:schemeClr val="accent6"/>
+          </a:fillRef>
+          <a:effectRef idx="0">
+            <a:schemeClr val="accent6"/>
+          </a:effectRef>
+          <a:fontRef idx="minor">
+            <a:schemeClr val="lt1"/>
+          </a:fontRef>
+        </p:style>
+        <p:txBody>
+          <a:bodyPr rtlCol="0" anchor="ctr"/>
+          <a:lstStyle/>
+          <a:p>
+            <a:pPr algn="ctr"/>
+            <a:endParaRPr lang="en-US"/>
+          </a:p>
+        </p:txBody>
+      </p:sp>
     </p:spTree>
     <p:extLst>
       <p:ext uri="{BB962C8B-B14F-4D97-AF65-F5344CB8AC3E}">
@@ -3187,13 +3217,6 @@
   <p:clrMapOvr>
     <a:masterClrMapping/>
   </p:clrMapOvr>
-  <p:timing>
-    <p:tnLst>
-      <p:par>
-        <p:cTn id="1" dur="indefinite" restart="never" nodeType="tmRoot"/>
-      </p:par>
-    </p:tnLst>
-  </p:timing>
 </p:sld>
 </file>
 

--- a/Abbaspour/CodeTodo.pptx
+++ b/Abbaspour/CodeTodo.pptx
@@ -3170,8 +3170,8 @@
         </p:nvSpPr>
         <p:spPr>
           <a:xfrm>
-            <a:off x="65689" y="1348030"/>
-            <a:ext cx="4621722" cy="1031186"/>
+            <a:off x="65688" y="1348030"/>
+            <a:ext cx="4424769" cy="1187486"/>
           </a:xfrm>
           <a:prstGeom prst="rect">
             <a:avLst/>
@@ -3204,6 +3204,47 @@
           <a:p>
             <a:pPr algn="ctr"/>
             <a:endParaRPr lang="en-US"/>
+          </a:p>
+        </p:txBody>
+      </p:sp>
+      <p:sp>
+        <p:nvSpPr>
+          <p:cNvPr id="9" name="Textfeld 8">
+            <a:extLst>
+              <a:ext uri="{FF2B5EF4-FFF2-40B4-BE49-F238E27FC236}">
+                <a16:creationId xmlns:a16="http://schemas.microsoft.com/office/drawing/2014/main" id="{BED8B2F7-8580-0803-38EB-A57B4EC6D7F6}"/>
+              </a:ext>
+            </a:extLst>
+          </p:cNvPr>
+          <p:cNvSpPr txBox="1"/>
+          <p:nvPr/>
+        </p:nvSpPr>
+        <p:spPr>
+          <a:xfrm>
+            <a:off x="6000643" y="1868957"/>
+            <a:ext cx="6094520" cy="646331"/>
+          </a:xfrm>
+          <a:prstGeom prst="rect">
+            <a:avLst/>
+          </a:prstGeom>
+          <a:noFill/>
+        </p:spPr>
+        <p:txBody>
+          <a:bodyPr wrap="square">
+            <a:spAutoFit/>
+          </a:bodyPr>
+          <a:lstStyle/>
+          <a:p>
+            <a:r>
+              <a:rPr lang="en-GB" dirty="0"/>
+              <a:t>Has characteristic </a:t>
+            </a:r>
+          </a:p>
+          <a:p>
+            <a:r>
+              <a:rPr lang="en-GB" dirty="0"/>
+              <a:t>http://purl.obolibrary.org/obo/RO_0000053</a:t>
+            </a:r>
           </a:p>
         </p:txBody>
       </p:sp>

--- a/Abbaspour/CodeTodo.pptx
+++ b/Abbaspour/CodeTodo.pptx
@@ -3170,8 +3170,8 @@
         </p:nvSpPr>
         <p:spPr>
           <a:xfrm>
-            <a:off x="65688" y="1348030"/>
-            <a:ext cx="4424769" cy="1187486"/>
+            <a:off x="65688" y="1348029"/>
+            <a:ext cx="6829167" cy="1187487"/>
           </a:xfrm>
           <a:prstGeom prst="rect">
             <a:avLst/>
@@ -3207,47 +3207,36 @@
           </a:p>
         </p:txBody>
       </p:sp>
-      <p:sp>
-        <p:nvSpPr>
-          <p:cNvPr id="9" name="Textfeld 8">
+      <p:pic>
+        <p:nvPicPr>
+          <p:cNvPr id="10" name="Grafik 9">
             <a:extLst>
               <a:ext uri="{FF2B5EF4-FFF2-40B4-BE49-F238E27FC236}">
-                <a16:creationId xmlns:a16="http://schemas.microsoft.com/office/drawing/2014/main" id="{BED8B2F7-8580-0803-38EB-A57B4EC6D7F6}"/>
+                <a16:creationId xmlns:a16="http://schemas.microsoft.com/office/drawing/2014/main" id="{C669A346-0E18-7767-9702-A62F67768B23}"/>
               </a:ext>
             </a:extLst>
           </p:cNvPr>
-          <p:cNvSpPr txBox="1"/>
+          <p:cNvPicPr>
+            <a:picLocks noChangeAspect="1"/>
+          </p:cNvPicPr>
           <p:nvPr/>
-        </p:nvSpPr>
+        </p:nvPicPr>
+        <p:blipFill>
+          <a:blip r:embed="rId3"/>
+          <a:stretch>
+            <a:fillRect/>
+          </a:stretch>
+        </p:blipFill>
         <p:spPr>
           <a:xfrm>
-            <a:off x="6000643" y="1868957"/>
-            <a:ext cx="6094520" cy="646331"/>
+            <a:off x="96837" y="5431886"/>
+            <a:ext cx="12192000" cy="4095688"/>
           </a:xfrm>
           <a:prstGeom prst="rect">
             <a:avLst/>
           </a:prstGeom>
-          <a:noFill/>
         </p:spPr>
-        <p:txBody>
-          <a:bodyPr wrap="square">
-            <a:spAutoFit/>
-          </a:bodyPr>
-          <a:lstStyle/>
-          <a:p>
-            <a:r>
-              <a:rPr lang="en-GB" dirty="0"/>
-              <a:t>Has characteristic </a:t>
-            </a:r>
-          </a:p>
-          <a:p>
-            <a:r>
-              <a:rPr lang="en-GB" dirty="0"/>
-              <a:t>http://purl.obolibrary.org/obo/RO_0000053</a:t>
-            </a:r>
-          </a:p>
-        </p:txBody>
-      </p:sp>
+      </p:pic>
     </p:spTree>
     <p:extLst>
       <p:ext uri="{BB962C8B-B14F-4D97-AF65-F5344CB8AC3E}">

--- a/Abbaspour/CodeTodo.pptx
+++ b/Abbaspour/CodeTodo.pptx
@@ -241,7 +241,7 @@
           <a:p>
             <a:fld id="{D6E7CE26-7B26-4829-8ED6-15EC512A912A}" type="datetimeFigureOut">
               <a:rPr lang="en-US" smtClean="0"/>
-              <a:t>1/11/2024</a:t>
+              <a:t>1/17/2024</a:t>
             </a:fld>
             <a:endParaRPr lang="en-US"/>
           </a:p>
@@ -409,7 +409,7 @@
           <a:p>
             <a:fld id="{D6E7CE26-7B26-4829-8ED6-15EC512A912A}" type="datetimeFigureOut">
               <a:rPr lang="en-US" smtClean="0"/>
-              <a:t>1/11/2024</a:t>
+              <a:t>1/17/2024</a:t>
             </a:fld>
             <a:endParaRPr lang="en-US"/>
           </a:p>
@@ -587,7 +587,7 @@
           <a:p>
             <a:fld id="{D6E7CE26-7B26-4829-8ED6-15EC512A912A}" type="datetimeFigureOut">
               <a:rPr lang="en-US" smtClean="0"/>
-              <a:t>1/11/2024</a:t>
+              <a:t>1/17/2024</a:t>
             </a:fld>
             <a:endParaRPr lang="en-US"/>
           </a:p>
@@ -755,7 +755,7 @@
           <a:p>
             <a:fld id="{D6E7CE26-7B26-4829-8ED6-15EC512A912A}" type="datetimeFigureOut">
               <a:rPr lang="en-US" smtClean="0"/>
-              <a:t>1/11/2024</a:t>
+              <a:t>1/17/2024</a:t>
             </a:fld>
             <a:endParaRPr lang="en-US"/>
           </a:p>
@@ -1000,7 +1000,7 @@
           <a:p>
             <a:fld id="{D6E7CE26-7B26-4829-8ED6-15EC512A912A}" type="datetimeFigureOut">
               <a:rPr lang="en-US" smtClean="0"/>
-              <a:t>1/11/2024</a:t>
+              <a:t>1/17/2024</a:t>
             </a:fld>
             <a:endParaRPr lang="en-US"/>
           </a:p>
@@ -1229,7 +1229,7 @@
           <a:p>
             <a:fld id="{D6E7CE26-7B26-4829-8ED6-15EC512A912A}" type="datetimeFigureOut">
               <a:rPr lang="en-US" smtClean="0"/>
-              <a:t>1/11/2024</a:t>
+              <a:t>1/17/2024</a:t>
             </a:fld>
             <a:endParaRPr lang="en-US"/>
           </a:p>
@@ -1593,7 +1593,7 @@
           <a:p>
             <a:fld id="{D6E7CE26-7B26-4829-8ED6-15EC512A912A}" type="datetimeFigureOut">
               <a:rPr lang="en-US" smtClean="0"/>
-              <a:t>1/11/2024</a:t>
+              <a:t>1/17/2024</a:t>
             </a:fld>
             <a:endParaRPr lang="en-US"/>
           </a:p>
@@ -1710,7 +1710,7 @@
           <a:p>
             <a:fld id="{D6E7CE26-7B26-4829-8ED6-15EC512A912A}" type="datetimeFigureOut">
               <a:rPr lang="en-US" smtClean="0"/>
-              <a:t>1/11/2024</a:t>
+              <a:t>1/17/2024</a:t>
             </a:fld>
             <a:endParaRPr lang="en-US"/>
           </a:p>
@@ -1805,7 +1805,7 @@
           <a:p>
             <a:fld id="{D6E7CE26-7B26-4829-8ED6-15EC512A912A}" type="datetimeFigureOut">
               <a:rPr lang="en-US" smtClean="0"/>
-              <a:t>1/11/2024</a:t>
+              <a:t>1/17/2024</a:t>
             </a:fld>
             <a:endParaRPr lang="en-US"/>
           </a:p>
@@ -2080,7 +2080,7 @@
           <a:p>
             <a:fld id="{D6E7CE26-7B26-4829-8ED6-15EC512A912A}" type="datetimeFigureOut">
               <a:rPr lang="en-US" smtClean="0"/>
-              <a:t>1/11/2024</a:t>
+              <a:t>1/17/2024</a:t>
             </a:fld>
             <a:endParaRPr lang="en-US"/>
           </a:p>
@@ -2332,7 +2332,7 @@
           <a:p>
             <a:fld id="{D6E7CE26-7B26-4829-8ED6-15EC512A912A}" type="datetimeFigureOut">
               <a:rPr lang="en-US" smtClean="0"/>
-              <a:t>1/11/2024</a:t>
+              <a:t>1/17/2024</a:t>
             </a:fld>
             <a:endParaRPr lang="en-US"/>
           </a:p>
@@ -2543,7 +2543,7 @@
           <a:p>
             <a:fld id="{D6E7CE26-7B26-4829-8ED6-15EC512A912A}" type="datetimeFigureOut">
               <a:rPr lang="en-US" smtClean="0"/>
-              <a:t>1/11/2024</a:t>
+              <a:t>1/17/2024</a:t>
             </a:fld>
             <a:endParaRPr lang="en-US"/>
           </a:p>
@@ -3119,8 +3119,8 @@
         </p:nvSpPr>
         <p:spPr>
           <a:xfrm>
-            <a:off x="5435023" y="2535516"/>
-            <a:ext cx="6420093" cy="737073"/>
+            <a:off x="2406317" y="2535516"/>
+            <a:ext cx="9448800" cy="737073"/>
           </a:xfrm>
           <a:prstGeom prst="rect">
             <a:avLst/>
@@ -3229,7 +3229,7 @@
         </p:blipFill>
         <p:spPr>
           <a:xfrm>
-            <a:off x="96837" y="5431886"/>
+            <a:off x="-195756" y="5431886"/>
             <a:ext cx="12192000" cy="4095688"/>
           </a:xfrm>
           <a:prstGeom prst="rect">

--- a/Abbaspour/CodeTodo.pptx
+++ b/Abbaspour/CodeTodo.pptx
@@ -6,6 +6,7 @@
   </p:sldMasterIdLst>
   <p:sldIdLst>
     <p:sldId id="256" r:id="rId2"/>
+    <p:sldId id="257" r:id="rId3"/>
   </p:sldIdLst>
   <p:sldSz cx="12192000" cy="6858000"/>
   <p:notesSz cx="6858000" cy="9144000"/>
@@ -3025,7 +3026,7 @@
         </p:nvSpPr>
         <p:spPr>
           <a:xfrm>
-            <a:off x="7310032" y="380037"/>
+            <a:off x="7385765" y="376219"/>
             <a:ext cx="4393620" cy="1468692"/>
           </a:xfrm>
           <a:prstGeom prst="rect">
@@ -3241,6 +3242,164 @@
     <p:extLst>
       <p:ext uri="{BB962C8B-B14F-4D97-AF65-F5344CB8AC3E}">
         <p14:creationId xmlns:p14="http://schemas.microsoft.com/office/powerpoint/2010/main" val="3253077526"/>
+      </p:ext>
+    </p:extLst>
+  </p:cSld>
+  <p:clrMapOvr>
+    <a:masterClrMapping/>
+  </p:clrMapOvr>
+</p:sld>
+</file>
+
+<file path=ppt/slides/slide2.xml><?xml version="1.0" encoding="utf-8"?>
+<p:sld xmlns:a="http://schemas.openxmlformats.org/drawingml/2006/main" xmlns:r="http://schemas.openxmlformats.org/officeDocument/2006/relationships" xmlns:p="http://schemas.openxmlformats.org/presentationml/2006/main">
+  <p:cSld>
+    <p:spTree>
+      <p:nvGrpSpPr>
+        <p:cNvPr id="1" name=""/>
+        <p:cNvGrpSpPr/>
+        <p:nvPr/>
+      </p:nvGrpSpPr>
+      <p:grpSpPr>
+        <a:xfrm>
+          <a:off x="0" y="0"/>
+          <a:ext cx="0" cy="0"/>
+          <a:chOff x="0" y="0"/>
+          <a:chExt cx="0" cy="0"/>
+        </a:xfrm>
+      </p:grpSpPr>
+      <p:sp>
+        <p:nvSpPr>
+          <p:cNvPr id="2" name="Titel 1">
+            <a:extLst>
+              <a:ext uri="{FF2B5EF4-FFF2-40B4-BE49-F238E27FC236}">
+                <a16:creationId xmlns:a16="http://schemas.microsoft.com/office/drawing/2014/main" id="{2BB001EC-7853-8ECC-43D7-C9CF451FA11C}"/>
+              </a:ext>
+            </a:extLst>
+          </p:cNvPr>
+          <p:cNvSpPr>
+            <a:spLocks noGrp="1"/>
+          </p:cNvSpPr>
+          <p:nvPr>
+            <p:ph type="title"/>
+          </p:nvPr>
+        </p:nvSpPr>
+        <p:spPr/>
+        <p:txBody>
+          <a:bodyPr/>
+          <a:lstStyle/>
+          <a:p>
+            <a:endParaRPr lang="en-GB" dirty="0"/>
+          </a:p>
+        </p:txBody>
+      </p:sp>
+      <p:sp>
+        <p:nvSpPr>
+          <p:cNvPr id="3" name="Inhaltsplatzhalter 2">
+            <a:extLst>
+              <a:ext uri="{FF2B5EF4-FFF2-40B4-BE49-F238E27FC236}">
+                <a16:creationId xmlns:a16="http://schemas.microsoft.com/office/drawing/2014/main" id="{6EF26273-A781-6526-39B3-D8A68923301D}"/>
+              </a:ext>
+            </a:extLst>
+          </p:cNvPr>
+          <p:cNvSpPr>
+            <a:spLocks noGrp="1"/>
+          </p:cNvSpPr>
+          <p:nvPr>
+            <p:ph idx="1"/>
+          </p:nvPr>
+        </p:nvSpPr>
+        <p:spPr/>
+        <p:txBody>
+          <a:bodyPr/>
+          <a:lstStyle/>
+          <a:p>
+            <a:r>
+              <a:rPr lang="en-GB" dirty="0" err="1"/>
+              <a:t>Prozessschritte</a:t>
+            </a:r>
+            <a:r>
+              <a:rPr lang="en-GB" dirty="0"/>
+              <a:t>:</a:t>
+            </a:r>
+            <a:endParaRPr lang="en-GB" dirty="0">
+              <a:hlinkClick r:id="rId2"/>
+            </a:endParaRPr>
+          </a:p>
+          <a:p>
+            <a:pPr marL="0" indent="0">
+              <a:buNone/>
+            </a:pPr>
+            <a:r>
+              <a:rPr lang="en-GB" dirty="0">
+                <a:hlinkClick r:id="rId2"/>
+              </a:rPr>
+              <a:t>http://www.nfdi.org/nfdi4cat/ontochem#PhysChemProcessingModule</a:t>
+            </a:r>
+            <a:r>
+              <a:rPr lang="en-GB" dirty="0"/>
+              <a:t> </a:t>
+            </a:r>
+          </a:p>
+          <a:p>
+            <a:r>
+              <a:rPr lang="en-GB" dirty="0" err="1"/>
+              <a:t>has_input</a:t>
+            </a:r>
+            <a:endParaRPr lang="en-GB" dirty="0"/>
+          </a:p>
+          <a:p>
+            <a:pPr marL="0" indent="0">
+              <a:buNone/>
+            </a:pPr>
+            <a:r>
+              <a:rPr lang="en-GB" dirty="0">
+                <a:hlinkClick r:id="rId3"/>
+              </a:rPr>
+              <a:t>http://purl.obolibrary.org/obo/RO_0002233</a:t>
+            </a:r>
+            <a:r>
+              <a:rPr lang="en-GB" dirty="0"/>
+              <a:t> </a:t>
+            </a:r>
+          </a:p>
+          <a:p>
+            <a:r>
+              <a:rPr lang="en-GB" dirty="0" err="1"/>
+              <a:t>has_output</a:t>
+            </a:r>
+            <a:endParaRPr lang="en-GB" dirty="0"/>
+          </a:p>
+          <a:p>
+            <a:pPr marL="0" indent="0">
+              <a:buNone/>
+            </a:pPr>
+            <a:r>
+              <a:rPr lang="en-GB" dirty="0">
+                <a:hlinkClick r:id="rId4"/>
+              </a:rPr>
+              <a:t>http://purl.obolibrary.org/obo/RO_0002234</a:t>
+            </a:r>
+            <a:r>
+              <a:rPr lang="en-GB" dirty="0"/>
+              <a:t> </a:t>
+            </a:r>
+          </a:p>
+          <a:p>
+            <a:pPr marL="0" indent="0">
+              <a:buNone/>
+            </a:pPr>
+            <a:endParaRPr lang="en-GB" dirty="0"/>
+          </a:p>
+          <a:p>
+            <a:endParaRPr lang="en-GB" dirty="0"/>
+          </a:p>
+        </p:txBody>
+      </p:sp>
+    </p:spTree>
+    <p:extLst>
+      <p:ext uri="{BB962C8B-B14F-4D97-AF65-F5344CB8AC3E}">
+        <p14:creationId xmlns:p14="http://schemas.microsoft.com/office/powerpoint/2010/main" val="19186403"/>
       </p:ext>
     </p:extLst>
   </p:cSld>

--- a/Abbaspour/CodeTodo.pptx
+++ b/Abbaspour/CodeTodo.pptx
@@ -6,7 +6,6 @@
   </p:sldMasterIdLst>
   <p:sldIdLst>
     <p:sldId id="256" r:id="rId2"/>
-    <p:sldId id="257" r:id="rId3"/>
   </p:sldIdLst>
   <p:sldSz cx="12192000" cy="6858000"/>
   <p:notesSz cx="6858000" cy="9144000"/>
@@ -3251,164 +3250,6 @@
 </p:sld>
 </file>
 
-<file path=ppt/slides/slide2.xml><?xml version="1.0" encoding="utf-8"?>
-<p:sld xmlns:a="http://schemas.openxmlformats.org/drawingml/2006/main" xmlns:r="http://schemas.openxmlformats.org/officeDocument/2006/relationships" xmlns:p="http://schemas.openxmlformats.org/presentationml/2006/main">
-  <p:cSld>
-    <p:spTree>
-      <p:nvGrpSpPr>
-        <p:cNvPr id="1" name=""/>
-        <p:cNvGrpSpPr/>
-        <p:nvPr/>
-      </p:nvGrpSpPr>
-      <p:grpSpPr>
-        <a:xfrm>
-          <a:off x="0" y="0"/>
-          <a:ext cx="0" cy="0"/>
-          <a:chOff x="0" y="0"/>
-          <a:chExt cx="0" cy="0"/>
-        </a:xfrm>
-      </p:grpSpPr>
-      <p:sp>
-        <p:nvSpPr>
-          <p:cNvPr id="2" name="Titel 1">
-            <a:extLst>
-              <a:ext uri="{FF2B5EF4-FFF2-40B4-BE49-F238E27FC236}">
-                <a16:creationId xmlns:a16="http://schemas.microsoft.com/office/drawing/2014/main" id="{2BB001EC-7853-8ECC-43D7-C9CF451FA11C}"/>
-              </a:ext>
-            </a:extLst>
-          </p:cNvPr>
-          <p:cNvSpPr>
-            <a:spLocks noGrp="1"/>
-          </p:cNvSpPr>
-          <p:nvPr>
-            <p:ph type="title"/>
-          </p:nvPr>
-        </p:nvSpPr>
-        <p:spPr/>
-        <p:txBody>
-          <a:bodyPr/>
-          <a:lstStyle/>
-          <a:p>
-            <a:endParaRPr lang="en-GB" dirty="0"/>
-          </a:p>
-        </p:txBody>
-      </p:sp>
-      <p:sp>
-        <p:nvSpPr>
-          <p:cNvPr id="3" name="Inhaltsplatzhalter 2">
-            <a:extLst>
-              <a:ext uri="{FF2B5EF4-FFF2-40B4-BE49-F238E27FC236}">
-                <a16:creationId xmlns:a16="http://schemas.microsoft.com/office/drawing/2014/main" id="{6EF26273-A781-6526-39B3-D8A68923301D}"/>
-              </a:ext>
-            </a:extLst>
-          </p:cNvPr>
-          <p:cNvSpPr>
-            <a:spLocks noGrp="1"/>
-          </p:cNvSpPr>
-          <p:nvPr>
-            <p:ph idx="1"/>
-          </p:nvPr>
-        </p:nvSpPr>
-        <p:spPr/>
-        <p:txBody>
-          <a:bodyPr/>
-          <a:lstStyle/>
-          <a:p>
-            <a:r>
-              <a:rPr lang="en-GB" dirty="0" err="1"/>
-              <a:t>Prozessschritte</a:t>
-            </a:r>
-            <a:r>
-              <a:rPr lang="en-GB" dirty="0"/>
-              <a:t>:</a:t>
-            </a:r>
-            <a:endParaRPr lang="en-GB" dirty="0">
-              <a:hlinkClick r:id="rId2"/>
-            </a:endParaRPr>
-          </a:p>
-          <a:p>
-            <a:pPr marL="0" indent="0">
-              <a:buNone/>
-            </a:pPr>
-            <a:r>
-              <a:rPr lang="en-GB" dirty="0">
-                <a:hlinkClick r:id="rId2"/>
-              </a:rPr>
-              <a:t>http://www.nfdi.org/nfdi4cat/ontochem#PhysChemProcessingModule</a:t>
-            </a:r>
-            <a:r>
-              <a:rPr lang="en-GB" dirty="0"/>
-              <a:t> </a:t>
-            </a:r>
-          </a:p>
-          <a:p>
-            <a:r>
-              <a:rPr lang="en-GB" dirty="0" err="1"/>
-              <a:t>has_input</a:t>
-            </a:r>
-            <a:endParaRPr lang="en-GB" dirty="0"/>
-          </a:p>
-          <a:p>
-            <a:pPr marL="0" indent="0">
-              <a:buNone/>
-            </a:pPr>
-            <a:r>
-              <a:rPr lang="en-GB" dirty="0">
-                <a:hlinkClick r:id="rId3"/>
-              </a:rPr>
-              <a:t>http://purl.obolibrary.org/obo/RO_0002233</a:t>
-            </a:r>
-            <a:r>
-              <a:rPr lang="en-GB" dirty="0"/>
-              <a:t> </a:t>
-            </a:r>
-          </a:p>
-          <a:p>
-            <a:r>
-              <a:rPr lang="en-GB" dirty="0" err="1"/>
-              <a:t>has_output</a:t>
-            </a:r>
-            <a:endParaRPr lang="en-GB" dirty="0"/>
-          </a:p>
-          <a:p>
-            <a:pPr marL="0" indent="0">
-              <a:buNone/>
-            </a:pPr>
-            <a:r>
-              <a:rPr lang="en-GB" dirty="0">
-                <a:hlinkClick r:id="rId4"/>
-              </a:rPr>
-              <a:t>http://purl.obolibrary.org/obo/RO_0002234</a:t>
-            </a:r>
-            <a:r>
-              <a:rPr lang="en-GB" dirty="0"/>
-              <a:t> </a:t>
-            </a:r>
-          </a:p>
-          <a:p>
-            <a:pPr marL="0" indent="0">
-              <a:buNone/>
-            </a:pPr>
-            <a:endParaRPr lang="en-GB" dirty="0"/>
-          </a:p>
-          <a:p>
-            <a:endParaRPr lang="en-GB" dirty="0"/>
-          </a:p>
-        </p:txBody>
-      </p:sp>
-    </p:spTree>
-    <p:extLst>
-      <p:ext uri="{BB962C8B-B14F-4D97-AF65-F5344CB8AC3E}">
-        <p14:creationId xmlns:p14="http://schemas.microsoft.com/office/powerpoint/2010/main" val="19186403"/>
-      </p:ext>
-    </p:extLst>
-  </p:cSld>
-  <p:clrMapOvr>
-    <a:masterClrMapping/>
-  </p:clrMapOvr>
-</p:sld>
-</file>
-
 <file path=ppt/theme/theme1.xml><?xml version="1.0" encoding="utf-8"?>
 <a:theme xmlns:a="http://schemas.openxmlformats.org/drawingml/2006/main" name="Office Theme">
   <a:themeElements>
